--- a/doc/masters/caching/caching-steps.pptx
+++ b/doc/masters/caching/caching-steps.pptx
@@ -288,7 +288,7 @@
           <a:p>
             <a:fld id="{1D56691A-E599-704B-8559-799B2BE66557}" type="datetimeFigureOut">
               <a:rPr lang="en-US" smtClean="0"/>
-              <a:t>5/30/12</a:t>
+              <a:t>8/18/14</a:t>
             </a:fld>
             <a:endParaRPr lang="en-US"/>
           </a:p>
@@ -458,7 +458,7 @@
           <a:p>
             <a:fld id="{1D56691A-E599-704B-8559-799B2BE66557}" type="datetimeFigureOut">
               <a:rPr lang="en-US" smtClean="0"/>
-              <a:t>5/30/12</a:t>
+              <a:t>8/18/14</a:t>
             </a:fld>
             <a:endParaRPr lang="en-US"/>
           </a:p>
@@ -638,7 +638,7 @@
           <a:p>
             <a:fld id="{1D56691A-E599-704B-8559-799B2BE66557}" type="datetimeFigureOut">
               <a:rPr lang="en-US" smtClean="0"/>
-              <a:t>5/30/12</a:t>
+              <a:t>8/18/14</a:t>
             </a:fld>
             <a:endParaRPr lang="en-US"/>
           </a:p>
@@ -808,7 +808,7 @@
           <a:p>
             <a:fld id="{1D56691A-E599-704B-8559-799B2BE66557}" type="datetimeFigureOut">
               <a:rPr lang="en-US" smtClean="0"/>
-              <a:t>5/30/12</a:t>
+              <a:t>8/18/14</a:t>
             </a:fld>
             <a:endParaRPr lang="en-US"/>
           </a:p>
@@ -1054,7 +1054,7 @@
           <a:p>
             <a:fld id="{1D56691A-E599-704B-8559-799B2BE66557}" type="datetimeFigureOut">
               <a:rPr lang="en-US" smtClean="0"/>
-              <a:t>5/30/12</a:t>
+              <a:t>8/18/14</a:t>
             </a:fld>
             <a:endParaRPr lang="en-US"/>
           </a:p>
@@ -1342,7 +1342,7 @@
           <a:p>
             <a:fld id="{1D56691A-E599-704B-8559-799B2BE66557}" type="datetimeFigureOut">
               <a:rPr lang="en-US" smtClean="0"/>
-              <a:t>5/30/12</a:t>
+              <a:t>8/18/14</a:t>
             </a:fld>
             <a:endParaRPr lang="en-US"/>
           </a:p>
@@ -1764,7 +1764,7 @@
           <a:p>
             <a:fld id="{1D56691A-E599-704B-8559-799B2BE66557}" type="datetimeFigureOut">
               <a:rPr lang="en-US" smtClean="0"/>
-              <a:t>5/30/12</a:t>
+              <a:t>8/18/14</a:t>
             </a:fld>
             <a:endParaRPr lang="en-US"/>
           </a:p>
@@ -1882,7 +1882,7 @@
           <a:p>
             <a:fld id="{1D56691A-E599-704B-8559-799B2BE66557}" type="datetimeFigureOut">
               <a:rPr lang="en-US" smtClean="0"/>
-              <a:t>5/30/12</a:t>
+              <a:t>8/18/14</a:t>
             </a:fld>
             <a:endParaRPr lang="en-US"/>
           </a:p>
@@ -1977,7 +1977,7 @@
           <a:p>
             <a:fld id="{1D56691A-E599-704B-8559-799B2BE66557}" type="datetimeFigureOut">
               <a:rPr lang="en-US" smtClean="0"/>
-              <a:t>5/30/12</a:t>
+              <a:t>8/18/14</a:t>
             </a:fld>
             <a:endParaRPr lang="en-US"/>
           </a:p>
@@ -2254,7 +2254,7 @@
           <a:p>
             <a:fld id="{1D56691A-E599-704B-8559-799B2BE66557}" type="datetimeFigureOut">
               <a:rPr lang="en-US" smtClean="0"/>
-              <a:t>5/30/12</a:t>
+              <a:t>8/18/14</a:t>
             </a:fld>
             <a:endParaRPr lang="en-US"/>
           </a:p>
@@ -2507,7 +2507,7 @@
           <a:p>
             <a:fld id="{1D56691A-E599-704B-8559-799B2BE66557}" type="datetimeFigureOut">
               <a:rPr lang="en-US" smtClean="0"/>
-              <a:t>5/30/12</a:t>
+              <a:t>8/18/14</a:t>
             </a:fld>
             <a:endParaRPr lang="en-US"/>
           </a:p>
@@ -2720,7 +2720,7 @@
           <a:p>
             <a:fld id="{1D56691A-E599-704B-8559-799B2BE66557}" type="datetimeFigureOut">
               <a:rPr lang="en-US" smtClean="0"/>
-              <a:t>5/30/12</a:t>
+              <a:t>8/18/14</a:t>
             </a:fld>
             <a:endParaRPr lang="en-US"/>
           </a:p>
@@ -3989,15 +3989,7 @@
                   <a:srgbClr val="000000"/>
                 </a:solidFill>
               </a:rPr>
-              <a:t>1. Client </a:t>
-            </a:r>
-            <a:r>
-              <a:rPr lang="en-US" sz="1600" b="1" dirty="0" smtClean="0">
-                <a:solidFill>
-                  <a:srgbClr val="000000"/>
-                </a:solidFill>
-              </a:rPr>
-              <a:t>Cached</a:t>
+              <a:t>1. Client Cached</a:t>
             </a:r>
             <a:endParaRPr lang="en-US" sz="1600" b="1" dirty="0">
               <a:solidFill>
@@ -4214,15 +4206,7 @@
                   <a:srgbClr val="000000"/>
                 </a:solidFill>
               </a:rPr>
-              <a:t>. Server </a:t>
-            </a:r>
-            <a:r>
-              <a:rPr lang="en-US" sz="1600" b="1" dirty="0" smtClean="0">
-                <a:solidFill>
-                  <a:srgbClr val="000000"/>
-                </a:solidFill>
-              </a:rPr>
-              <a:t>Cached</a:t>
+              <a:t>. Server Cached</a:t>
             </a:r>
             <a:endParaRPr lang="en-US" sz="1600" b="1" dirty="0">
               <a:solidFill>
